--- a/Résume.pptx
+++ b/Résume.pptx
@@ -26,7 +26,6 @@
     <p:sldId id="272" r:id="rId20"/>
     <p:sldId id="273" r:id="rId21"/>
     <p:sldId id="274" r:id="rId22"/>
-    <p:sldId id="277" r:id="rId23"/>
   </p:sldIdLst>
   <p:sldSz cx="12192000" cy="6858000"/>
   <p:notesSz cx="6858000" cy="9144000"/>
@@ -303,7 +302,7 @@
             <a:fld id="{87DE6118-2437-4B30-8E3C-4D2BE6020583}" type="datetimeFigureOut">
               <a:rPr lang="en-US" dirty="0"/>
               <a:pPr/>
-              <a:t>11/11/2021</a:t>
+              <a:t>11/12/2021</a:t>
             </a:fld>
             <a:endParaRPr lang="en-US" dirty="0"/>
           </a:p>
@@ -372,7 +371,7 @@
             <a:fld id="{69E57DC2-970A-4B3E-BB1C-7A09969E49DF}" type="slidenum">
               <a:rPr lang="en-US" dirty="0"/>
               <a:pPr/>
-              <a:t>‹#›</a:t>
+              <a:t>‹N°›</a:t>
             </a:fld>
             <a:endParaRPr lang="en-US" dirty="0"/>
           </a:p>
@@ -629,7 +628,7 @@
           <a:p>
             <a:fld id="{87DE6118-2437-4B30-8E3C-4D2BE6020583}" type="datetimeFigureOut">
               <a:rPr lang="en-US" dirty="0"/>
-              <a:t>11/11/2021</a:t>
+              <a:t>11/12/2021</a:t>
             </a:fld>
             <a:endParaRPr lang="en-US" dirty="0"/>
           </a:p>
@@ -671,7 +670,7 @@
           <a:p>
             <a:fld id="{69E57DC2-970A-4B3E-BB1C-7A09969E49DF}" type="slidenum">
               <a:rPr lang="en-US" dirty="0"/>
-              <a:t>‹#›</a:t>
+              <a:t>‹N°›</a:t>
             </a:fld>
             <a:endParaRPr lang="en-US" dirty="0"/>
           </a:p>
@@ -804,7 +803,7 @@
           <a:p>
             <a:fld id="{87DE6118-2437-4B30-8E3C-4D2BE6020583}" type="datetimeFigureOut">
               <a:rPr lang="en-US" dirty="0"/>
-              <a:t>11/11/2021</a:t>
+              <a:t>11/12/2021</a:t>
             </a:fld>
             <a:endParaRPr lang="en-US" dirty="0"/>
           </a:p>
@@ -846,7 +845,7 @@
           <a:p>
             <a:fld id="{69E57DC2-970A-4B3E-BB1C-7A09969E49DF}" type="slidenum">
               <a:rPr lang="en-US" dirty="0"/>
-              <a:t>‹#›</a:t>
+              <a:t>‹N°›</a:t>
             </a:fld>
             <a:endParaRPr lang="en-US" dirty="0"/>
           </a:p>
@@ -969,7 +968,7 @@
           <a:p>
             <a:fld id="{87DE6118-2437-4B30-8E3C-4D2BE6020583}" type="datetimeFigureOut">
               <a:rPr lang="en-US" dirty="0"/>
-              <a:t>11/11/2021</a:t>
+              <a:t>11/12/2021</a:t>
             </a:fld>
             <a:endParaRPr lang="en-US" dirty="0"/>
           </a:p>
@@ -1011,7 +1010,7 @@
           <a:p>
             <a:fld id="{69E57DC2-970A-4B3E-BB1C-7A09969E49DF}" type="slidenum">
               <a:rPr lang="en-US" dirty="0"/>
-              <a:t>‹#›</a:t>
+              <a:t>‹N°›</a:t>
             </a:fld>
             <a:endParaRPr lang="en-US" dirty="0"/>
           </a:p>
@@ -1242,7 +1241,7 @@
             <a:fld id="{87DE6118-2437-4B30-8E3C-4D2BE6020583}" type="datetimeFigureOut">
               <a:rPr lang="en-US" dirty="0"/>
               <a:pPr/>
-              <a:t>11/11/2021</a:t>
+              <a:t>11/12/2021</a:t>
             </a:fld>
             <a:endParaRPr lang="en-US" dirty="0"/>
           </a:p>
@@ -1311,7 +1310,7 @@
             <a:fld id="{69E57DC2-970A-4B3E-BB1C-7A09969E49DF}" type="slidenum">
               <a:rPr lang="en-US" dirty="0"/>
               <a:pPr/>
-              <a:t>‹#›</a:t>
+              <a:t>‹N°›</a:t>
             </a:fld>
             <a:endParaRPr lang="en-US" dirty="0"/>
           </a:p>
@@ -1632,7 +1631,7 @@
           <a:p>
             <a:fld id="{87DE6118-2437-4B30-8E3C-4D2BE6020583}" type="datetimeFigureOut">
               <a:rPr lang="en-US" dirty="0"/>
-              <a:t>11/11/2021</a:t>
+              <a:t>11/12/2021</a:t>
             </a:fld>
             <a:endParaRPr lang="en-US" dirty="0"/>
           </a:p>
@@ -1674,7 +1673,7 @@
           <a:p>
             <a:fld id="{69E57DC2-970A-4B3E-BB1C-7A09969E49DF}" type="slidenum">
               <a:rPr lang="en-US" dirty="0"/>
-              <a:t>‹#›</a:t>
+              <a:t>‹N°›</a:t>
             </a:fld>
             <a:endParaRPr lang="en-US" dirty="0"/>
           </a:p>
@@ -2104,7 +2103,7 @@
           <a:p>
             <a:fld id="{87DE6118-2437-4B30-8E3C-4D2BE6020583}" type="datetimeFigureOut">
               <a:rPr lang="en-US" dirty="0"/>
-              <a:t>11/11/2021</a:t>
+              <a:t>11/12/2021</a:t>
             </a:fld>
             <a:endParaRPr lang="en-US" dirty="0"/>
           </a:p>
@@ -2146,7 +2145,7 @@
           <a:p>
             <a:fld id="{69E57DC2-970A-4B3E-BB1C-7A09969E49DF}" type="slidenum">
               <a:rPr lang="en-US" dirty="0"/>
-              <a:t>‹#›</a:t>
+              <a:t>‹N°›</a:t>
             </a:fld>
             <a:endParaRPr lang="en-US" dirty="0"/>
           </a:p>
@@ -2217,7 +2216,7 @@
           <a:p>
             <a:fld id="{87DE6118-2437-4B30-8E3C-4D2BE6020583}" type="datetimeFigureOut">
               <a:rPr lang="en-US" dirty="0"/>
-              <a:t>11/11/2021</a:t>
+              <a:t>11/12/2021</a:t>
             </a:fld>
             <a:endParaRPr lang="en-US" dirty="0"/>
           </a:p>
@@ -2259,7 +2258,7 @@
           <a:p>
             <a:fld id="{69E57DC2-970A-4B3E-BB1C-7A09969E49DF}" type="slidenum">
               <a:rPr lang="en-US" dirty="0"/>
-              <a:t>‹#›</a:t>
+              <a:t>‹N°›</a:t>
             </a:fld>
             <a:endParaRPr lang="en-US" dirty="0"/>
           </a:p>
@@ -2307,7 +2306,7 @@
           <a:p>
             <a:fld id="{87DE6118-2437-4B30-8E3C-4D2BE6020583}" type="datetimeFigureOut">
               <a:rPr lang="en-US" dirty="0"/>
-              <a:t>11/11/2021</a:t>
+              <a:t>11/12/2021</a:t>
             </a:fld>
             <a:endParaRPr lang="en-US" dirty="0"/>
           </a:p>
@@ -2349,7 +2348,7 @@
           <a:p>
             <a:fld id="{69E57DC2-970A-4B3E-BB1C-7A09969E49DF}" type="slidenum">
               <a:rPr lang="en-US" dirty="0"/>
-              <a:t>‹#›</a:t>
+              <a:t>‹N°›</a:t>
             </a:fld>
             <a:endParaRPr lang="en-US" dirty="0"/>
           </a:p>
@@ -2649,7 +2648,7 @@
             <a:fld id="{87DE6118-2437-4B30-8E3C-4D2BE6020583}" type="datetimeFigureOut">
               <a:rPr lang="en-US" dirty="0"/>
               <a:pPr/>
-              <a:t>11/11/2021</a:t>
+              <a:t>11/12/2021</a:t>
             </a:fld>
             <a:endParaRPr lang="en-US" dirty="0"/>
           </a:p>
@@ -2718,7 +2717,7 @@
             <a:fld id="{69E57DC2-970A-4B3E-BB1C-7A09969E49DF}" type="slidenum">
               <a:rPr lang="en-US" dirty="0"/>
               <a:pPr/>
-              <a:t>‹#›</a:t>
+              <a:t>‹N°›</a:t>
             </a:fld>
             <a:endParaRPr lang="en-US" dirty="0"/>
           </a:p>
@@ -3034,7 +3033,7 @@
             <a:fld id="{87DE6118-2437-4B30-8E3C-4D2BE6020583}" type="datetimeFigureOut">
               <a:rPr lang="en-US" dirty="0"/>
               <a:pPr/>
-              <a:t>11/11/2021</a:t>
+              <a:t>11/12/2021</a:t>
             </a:fld>
             <a:endParaRPr lang="en-US" dirty="0"/>
           </a:p>
@@ -3103,7 +3102,7 @@
             <a:fld id="{69E57DC2-970A-4B3E-BB1C-7A09969E49DF}" type="slidenum">
               <a:rPr lang="en-US" dirty="0"/>
               <a:pPr/>
-              <a:t>‹#›</a:t>
+              <a:t>‹N°›</a:t>
             </a:fld>
             <a:endParaRPr lang="en-US" dirty="0"/>
           </a:p>
@@ -3309,7 +3308,7 @@
             <a:fld id="{87DE6118-2437-4B30-8E3C-4D2BE6020583}" type="datetimeFigureOut">
               <a:rPr lang="en-US" dirty="0"/>
               <a:pPr/>
-              <a:t>11/11/2021</a:t>
+              <a:t>11/12/2021</a:t>
             </a:fld>
             <a:endParaRPr lang="en-US" dirty="0"/>
           </a:p>
@@ -3384,7 +3383,7 @@
             <a:fld id="{69E57DC2-970A-4B3E-BB1C-7A09969E49DF}" type="slidenum">
               <a:rPr lang="en-US" dirty="0"/>
               <a:pPr/>
-              <a:t>‹#›</a:t>
+              <a:t>‹N°›</a:t>
             </a:fld>
             <a:endParaRPr lang="en-US" dirty="0"/>
           </a:p>
@@ -3897,6 +3896,13 @@
   <p:clrMapOvr>
     <a:masterClrMapping/>
   </p:clrMapOvr>
+  <p:timing>
+    <p:tnLst>
+      <p:par>
+        <p:cTn id="1" dur="indefinite" restart="never" nodeType="tmRoot"/>
+      </p:par>
+    </p:tnLst>
+  </p:timing>
 </p:sld>
 </file>
 
@@ -3986,6 +3992,13 @@
   <p:clrMapOvr>
     <a:masterClrMapping/>
   </p:clrMapOvr>
+  <p:timing>
+    <p:tnLst>
+      <p:par>
+        <p:cTn id="1" dur="indefinite" restart="never" nodeType="tmRoot"/>
+      </p:par>
+    </p:tnLst>
+  </p:timing>
 </p:sld>
 </file>
 
@@ -4077,6 +4090,13 @@
   <p:clrMapOvr>
     <a:masterClrMapping/>
   </p:clrMapOvr>
+  <p:timing>
+    <p:tnLst>
+      <p:par>
+        <p:cTn id="1" dur="indefinite" restart="never" nodeType="tmRoot"/>
+      </p:par>
+    </p:tnLst>
+  </p:timing>
 </p:sld>
 </file>
 
@@ -4481,6 +4501,13 @@
   <p:clrMapOvr>
     <a:masterClrMapping/>
   </p:clrMapOvr>
+  <p:timing>
+    <p:tnLst>
+      <p:par>
+        <p:cTn id="1" dur="indefinite" restart="never" nodeType="tmRoot"/>
+      </p:par>
+    </p:tnLst>
+  </p:timing>
 </p:sld>
 </file>
 
@@ -4985,6 +5012,13 @@
   <p:clrMapOvr>
     <a:masterClrMapping/>
   </p:clrMapOvr>
+  <p:timing>
+    <p:tnLst>
+      <p:par>
+        <p:cTn id="1" dur="indefinite" restart="never" nodeType="tmRoot"/>
+      </p:par>
+    </p:tnLst>
+  </p:timing>
 </p:sld>
 </file>
 
@@ -5143,6 +5177,13 @@
   <p:clrMapOvr>
     <a:masterClrMapping/>
   </p:clrMapOvr>
+  <p:timing>
+    <p:tnLst>
+      <p:par>
+        <p:cTn id="1" dur="indefinite" restart="never" nodeType="tmRoot"/>
+      </p:par>
+    </p:tnLst>
+  </p:timing>
 </p:sld>
 </file>
 
@@ -5406,6 +5447,13 @@
   <p:clrMapOvr>
     <a:masterClrMapping/>
   </p:clrMapOvr>
+  <p:timing>
+    <p:tnLst>
+      <p:par>
+        <p:cTn id="1" dur="indefinite" restart="never" nodeType="tmRoot"/>
+      </p:par>
+    </p:tnLst>
+  </p:timing>
 </p:sld>
 </file>
 
@@ -5817,6 +5865,13 @@
   <p:clrMapOvr>
     <a:masterClrMapping/>
   </p:clrMapOvr>
+  <p:timing>
+    <p:tnLst>
+      <p:par>
+        <p:cTn id="1" dur="indefinite" restart="never" nodeType="tmRoot"/>
+      </p:par>
+    </p:tnLst>
+  </p:timing>
 </p:sld>
 </file>
 
@@ -6144,6 +6199,13 @@
   <p:clrMapOvr>
     <a:masterClrMapping/>
   </p:clrMapOvr>
+  <p:timing>
+    <p:tnLst>
+      <p:par>
+        <p:cTn id="1" dur="indefinite" restart="never" nodeType="tmRoot"/>
+      </p:par>
+    </p:tnLst>
+  </p:timing>
 </p:sld>
 </file>
 
@@ -6337,6 +6399,13 @@
   <p:clrMapOvr>
     <a:masterClrMapping/>
   </p:clrMapOvr>
+  <p:timing>
+    <p:tnLst>
+      <p:par>
+        <p:cTn id="1" dur="indefinite" restart="never" nodeType="tmRoot"/>
+      </p:par>
+    </p:tnLst>
+  </p:timing>
 </p:sld>
 </file>
 
@@ -6428,6 +6497,13 @@
   <p:clrMapOvr>
     <a:masterClrMapping/>
   </p:clrMapOvr>
+  <p:timing>
+    <p:tnLst>
+      <p:par>
+        <p:cTn id="1" dur="indefinite" restart="never" nodeType="tmRoot"/>
+      </p:par>
+    </p:tnLst>
+  </p:timing>
 </p:sld>
 </file>
 
@@ -6535,6 +6611,13 @@
   <p:clrMapOvr>
     <a:masterClrMapping/>
   </p:clrMapOvr>
+  <p:timing>
+    <p:tnLst>
+      <p:par>
+        <p:cTn id="1" dur="indefinite" restart="never" nodeType="tmRoot"/>
+      </p:par>
+    </p:tnLst>
+  </p:timing>
 </p:sld>
 </file>
 
@@ -6697,6 +6780,13 @@
   <p:clrMapOvr>
     <a:masterClrMapping/>
   </p:clrMapOvr>
+  <p:timing>
+    <p:tnLst>
+      <p:par>
+        <p:cTn id="1" dur="indefinite" restart="never" nodeType="tmRoot"/>
+      </p:par>
+    </p:tnLst>
+  </p:timing>
 </p:sld>
 </file>
 
@@ -6842,117 +6932,13 @@
   <p:clrMapOvr>
     <a:masterClrMapping/>
   </p:clrMapOvr>
-</p:sld>
-</file>
-
-<file path=ppt/slides/slide22.xml><?xml version="1.0" encoding="utf-8"?>
-<p:sld xmlns:a="http://schemas.openxmlformats.org/drawingml/2006/main" xmlns:r="http://schemas.openxmlformats.org/officeDocument/2006/relationships" xmlns:p="http://schemas.openxmlformats.org/presentationml/2006/main">
-  <p:cSld>
-    <p:spTree>
-      <p:nvGrpSpPr>
-        <p:cNvPr id="1" name=""/>
-        <p:cNvGrpSpPr/>
-        <p:nvPr/>
-      </p:nvGrpSpPr>
-      <p:grpSpPr>
-        <a:xfrm>
-          <a:off x="0" y="0"/>
-          <a:ext cx="0" cy="0"/>
-          <a:chOff x="0" y="0"/>
-          <a:chExt cx="0" cy="0"/>
-        </a:xfrm>
-      </p:grpSpPr>
-      <p:sp>
-        <p:nvSpPr>
-          <p:cNvPr id="2" name="Title 1">
-            <a:extLst>
-              <a:ext uri="{FF2B5EF4-FFF2-40B4-BE49-F238E27FC236}">
-                <a16:creationId xmlns:a16="http://schemas.microsoft.com/office/drawing/2014/main" id="{13492D2B-A8E5-4DAD-ADB1-C02C1093B392}"/>
-              </a:ext>
-            </a:extLst>
-          </p:cNvPr>
-          <p:cNvSpPr>
-            <a:spLocks noGrp="1"/>
-          </p:cNvSpPr>
-          <p:nvPr>
-            <p:ph type="title"/>
-          </p:nvPr>
-        </p:nvSpPr>
-        <p:spPr/>
-        <p:txBody>
-          <a:bodyPr/>
-          <a:lstStyle/>
-          <a:p>
-            <a:r>
-              <a:rPr lang="fr-MA" dirty="0" err="1"/>
-              <a:t>Realisé</a:t>
-            </a:r>
-            <a:r>
-              <a:rPr lang="fr-MA" dirty="0"/>
-              <a:t> par :</a:t>
-            </a:r>
-            <a:endParaRPr lang="en-US" dirty="0"/>
-          </a:p>
-        </p:txBody>
-      </p:sp>
-      <p:sp>
-        <p:nvSpPr>
-          <p:cNvPr id="3" name="Content Placeholder 2">
-            <a:extLst>
-              <a:ext uri="{FF2B5EF4-FFF2-40B4-BE49-F238E27FC236}">
-                <a16:creationId xmlns:a16="http://schemas.microsoft.com/office/drawing/2014/main" id="{E9A51D80-20DF-4DF6-895D-F4436404F0B1}"/>
-              </a:ext>
-            </a:extLst>
-          </p:cNvPr>
-          <p:cNvSpPr>
-            <a:spLocks noGrp="1"/>
-          </p:cNvSpPr>
-          <p:nvPr>
-            <p:ph idx="1"/>
-          </p:nvPr>
-        </p:nvSpPr>
-        <p:spPr/>
-        <p:txBody>
-          <a:bodyPr/>
-          <a:lstStyle/>
-          <a:p>
-            <a:r>
-              <a:rPr lang="fr-MA" dirty="0" err="1"/>
-              <a:t>Raouya</a:t>
-            </a:r>
-            <a:r>
-              <a:rPr lang="fr-MA" dirty="0"/>
-              <a:t> el </a:t>
-            </a:r>
-            <a:r>
-              <a:rPr lang="fr-MA" dirty="0" err="1"/>
-              <a:t>yaagoubi</a:t>
-            </a:r>
-            <a:endParaRPr lang="fr-MA" dirty="0"/>
-          </a:p>
-          <a:p>
-            <a:r>
-              <a:rPr lang="fr-MA" dirty="0" err="1"/>
-              <a:t>Imrane</a:t>
-            </a:r>
-            <a:r>
-              <a:rPr lang="fr-MA"/>
-              <a:t> chaibi</a:t>
-            </a:r>
-            <a:endParaRPr lang="en-US"/>
-          </a:p>
-        </p:txBody>
-      </p:sp>
-    </p:spTree>
-    <p:extLst>
-      <p:ext uri="{BB962C8B-B14F-4D97-AF65-F5344CB8AC3E}">
-        <p14:creationId xmlns:p14="http://schemas.microsoft.com/office/powerpoint/2010/main" val="915323601"/>
-      </p:ext>
-    </p:extLst>
-  </p:cSld>
-  <p:clrMapOvr>
-    <a:masterClrMapping/>
-  </p:clrMapOvr>
+  <p:timing>
+    <p:tnLst>
+      <p:par>
+        <p:cTn id="1" dur="indefinite" restart="never" nodeType="tmRoot"/>
+      </p:par>
+    </p:tnLst>
+  </p:timing>
 </p:sld>
 </file>
 
@@ -7047,6 +7033,13 @@
   <p:clrMapOvr>
     <a:masterClrMapping/>
   </p:clrMapOvr>
+  <p:timing>
+    <p:tnLst>
+      <p:par>
+        <p:cTn id="1" dur="indefinite" restart="never" nodeType="tmRoot"/>
+      </p:par>
+    </p:tnLst>
+  </p:timing>
 </p:sld>
 </file>
 
@@ -7540,6 +7533,13 @@
   <p:clrMapOvr>
     <a:masterClrMapping/>
   </p:clrMapOvr>
+  <p:timing>
+    <p:tnLst>
+      <p:par>
+        <p:cTn id="1" dur="indefinite" restart="never" nodeType="tmRoot"/>
+      </p:par>
+    </p:tnLst>
+  </p:timing>
 </p:sld>
 </file>
 
@@ -7629,6 +7629,13 @@
   <p:clrMapOvr>
     <a:masterClrMapping/>
   </p:clrMapOvr>
+  <p:timing>
+    <p:tnLst>
+      <p:par>
+        <p:cTn id="1" dur="indefinite" restart="never" nodeType="tmRoot"/>
+      </p:par>
+    </p:tnLst>
+  </p:timing>
 </p:sld>
 </file>
 
@@ -7718,6 +7725,13 @@
   <p:clrMapOvr>
     <a:masterClrMapping/>
   </p:clrMapOvr>
+  <p:timing>
+    <p:tnLst>
+      <p:par>
+        <p:cTn id="1" dur="indefinite" restart="never" nodeType="tmRoot"/>
+      </p:par>
+    </p:tnLst>
+  </p:timing>
 </p:sld>
 </file>
 
@@ -8399,6 +8413,13 @@
   <p:clrMapOvr>
     <a:masterClrMapping/>
   </p:clrMapOvr>
+  <p:timing>
+    <p:tnLst>
+      <p:par>
+        <p:cTn id="1" dur="indefinite" restart="never" nodeType="tmRoot"/>
+      </p:par>
+    </p:tnLst>
+  </p:timing>
 </p:sld>
 </file>
 
@@ -8496,6 +8517,13 @@
   <p:clrMapOvr>
     <a:masterClrMapping/>
   </p:clrMapOvr>
+  <p:timing>
+    <p:tnLst>
+      <p:par>
+        <p:cTn id="1" dur="indefinite" restart="never" nodeType="tmRoot"/>
+      </p:par>
+    </p:tnLst>
+  </p:timing>
 </p:sld>
 </file>
 
@@ -8584,6 +8612,13 @@
   <p:clrMapOvr>
     <a:masterClrMapping/>
   </p:clrMapOvr>
+  <p:timing>
+    <p:tnLst>
+      <p:par>
+        <p:cTn id="1" dur="indefinite" restart="never" nodeType="tmRoot"/>
+      </p:par>
+    </p:tnLst>
+  </p:timing>
 </p:sld>
 </file>
 
